--- a/Project Presentation_Nicole & Jerry.pptx
+++ b/Project Presentation_Nicole & Jerry.pptx
@@ -10681,8 +10681,8 @@
           </a:p>
         </p:txBody>
       </p:sp>
-      <mc:AlternateContent xmlns:mc="http://schemas.openxmlformats.org/markup-compatibility/2006">
-        <mc:Choice xmlns:a14="http://schemas.microsoft.com/office/drawing/2010/main" Requires="a14">
+      <mc:AlternateContent xmlns:mc="http://schemas.openxmlformats.org/markup-compatibility/2006" xmlns:a14="http://schemas.microsoft.com/office/drawing/2010/main">
+        <mc:Choice Requires="a14">
           <p:sp>
             <p:nvSpPr>
               <p:cNvPr id="18" name="TextBox 17">
@@ -10939,7 +10939,7 @@
             </p:txBody>
           </p:sp>
         </mc:Choice>
-        <mc:Fallback>
+        <mc:Fallback xmlns="">
           <p:sp>
             <p:nvSpPr>
               <p:cNvPr id="18" name="TextBox 17">
@@ -11839,7 +11839,7 @@
                   <a:schemeClr val="tx1"/>
                 </a:solidFill>
               </a:rPr>
-              <a:t>Comparable accuracy as state-of-the-art existing implementations on real-world dataset</a:t>
+              <a:t>Comparable accuracy to state-of-the-art existing implementations on real-world dataset</a:t>
             </a:r>
           </a:p>
           <a:p>
